--- a/Module_1/Module_1_Introduction.pptx
+++ b/Module_1/Module_1_Introduction.pptx
@@ -11,7 +11,10 @@
     <p:sldId id="260" r:id="rId5"/>
     <p:sldId id="261" r:id="rId6"/>
     <p:sldId id="262" r:id="rId7"/>
-    <p:sldId id="263" r:id="rId8"/>
+    <p:sldId id="264" r:id="rId8"/>
+    <p:sldId id="265" r:id="rId9"/>
+    <p:sldId id="266" r:id="rId10"/>
+    <p:sldId id="263" r:id="rId11"/>
   </p:sldIdLst>
   <p:sldSz cx="9144000" cy="6858000" type="screen4x3"/>
   <p:notesSz cx="6858000" cy="9144000"/>
@@ -294,6 +297,7 @@
           <a:p>
             <a:fld id="{EF562E89-DE1A-41BE-B496-51C497CD17C7}" type="datetimeFigureOut">
               <a:rPr lang="en-US" smtClean="0"/>
+              <a:pPr/>
               <a:t>7/16/2022</a:t>
             </a:fld>
             <a:endParaRPr lang="en-US"/>
@@ -336,6 +340,7 @@
           <a:p>
             <a:fld id="{1ED5810E-D399-48C6-98AE-53FF8FB47FE5}" type="slidenum">
               <a:rPr lang="en-US" smtClean="0"/>
+              <a:pPr/>
               <a:t>‹#›</a:t>
             </a:fld>
             <a:endParaRPr lang="en-US"/>
@@ -459,6 +464,7 @@
           <a:p>
             <a:fld id="{EF562E89-DE1A-41BE-B496-51C497CD17C7}" type="datetimeFigureOut">
               <a:rPr lang="en-US" smtClean="0"/>
+              <a:pPr/>
               <a:t>7/16/2022</a:t>
             </a:fld>
             <a:endParaRPr lang="en-US"/>
@@ -501,6 +507,7 @@
           <a:p>
             <a:fld id="{1ED5810E-D399-48C6-98AE-53FF8FB47FE5}" type="slidenum">
               <a:rPr lang="en-US" smtClean="0"/>
+              <a:pPr/>
               <a:t>‹#›</a:t>
             </a:fld>
             <a:endParaRPr lang="en-US"/>
@@ -634,6 +641,7 @@
           <a:p>
             <a:fld id="{EF562E89-DE1A-41BE-B496-51C497CD17C7}" type="datetimeFigureOut">
               <a:rPr lang="en-US" smtClean="0"/>
+              <a:pPr/>
               <a:t>7/16/2022</a:t>
             </a:fld>
             <a:endParaRPr lang="en-US"/>
@@ -676,6 +684,7 @@
           <a:p>
             <a:fld id="{1ED5810E-D399-48C6-98AE-53FF8FB47FE5}" type="slidenum">
               <a:rPr lang="en-US" smtClean="0"/>
+              <a:pPr/>
               <a:t>‹#›</a:t>
             </a:fld>
             <a:endParaRPr lang="en-US"/>
@@ -799,6 +808,7 @@
           <a:p>
             <a:fld id="{EF562E89-DE1A-41BE-B496-51C497CD17C7}" type="datetimeFigureOut">
               <a:rPr lang="en-US" smtClean="0"/>
+              <a:pPr/>
               <a:t>7/16/2022</a:t>
             </a:fld>
             <a:endParaRPr lang="en-US"/>
@@ -841,6 +851,7 @@
           <a:p>
             <a:fld id="{1ED5810E-D399-48C6-98AE-53FF8FB47FE5}" type="slidenum">
               <a:rPr lang="en-US" smtClean="0"/>
+              <a:pPr/>
               <a:t>‹#›</a:t>
             </a:fld>
             <a:endParaRPr lang="en-US"/>
@@ -1040,6 +1051,7 @@
           <a:p>
             <a:fld id="{EF562E89-DE1A-41BE-B496-51C497CD17C7}" type="datetimeFigureOut">
               <a:rPr lang="en-US" smtClean="0"/>
+              <a:pPr/>
               <a:t>7/16/2022</a:t>
             </a:fld>
             <a:endParaRPr lang="en-US"/>
@@ -1082,6 +1094,7 @@
           <a:p>
             <a:fld id="{1ED5810E-D399-48C6-98AE-53FF8FB47FE5}" type="slidenum">
               <a:rPr lang="en-US" smtClean="0"/>
+              <a:pPr/>
               <a:t>‹#›</a:t>
             </a:fld>
             <a:endParaRPr lang="en-US"/>
@@ -1323,6 +1336,7 @@
           <a:p>
             <a:fld id="{EF562E89-DE1A-41BE-B496-51C497CD17C7}" type="datetimeFigureOut">
               <a:rPr lang="en-US" smtClean="0"/>
+              <a:pPr/>
               <a:t>7/16/2022</a:t>
             </a:fld>
             <a:endParaRPr lang="en-US"/>
@@ -1365,6 +1379,7 @@
           <a:p>
             <a:fld id="{1ED5810E-D399-48C6-98AE-53FF8FB47FE5}" type="slidenum">
               <a:rPr lang="en-US" smtClean="0"/>
+              <a:pPr/>
               <a:t>‹#›</a:t>
             </a:fld>
             <a:endParaRPr lang="en-US"/>
@@ -1740,6 +1755,7 @@
           <a:p>
             <a:fld id="{EF562E89-DE1A-41BE-B496-51C497CD17C7}" type="datetimeFigureOut">
               <a:rPr lang="en-US" smtClean="0"/>
+              <a:pPr/>
               <a:t>7/16/2022</a:t>
             </a:fld>
             <a:endParaRPr lang="en-US"/>
@@ -1782,6 +1798,7 @@
           <a:p>
             <a:fld id="{1ED5810E-D399-48C6-98AE-53FF8FB47FE5}" type="slidenum">
               <a:rPr lang="en-US" smtClean="0"/>
+              <a:pPr/>
               <a:t>‹#›</a:t>
             </a:fld>
             <a:endParaRPr lang="en-US"/>
@@ -1853,6 +1870,7 @@
           <a:p>
             <a:fld id="{EF562E89-DE1A-41BE-B496-51C497CD17C7}" type="datetimeFigureOut">
               <a:rPr lang="en-US" smtClean="0"/>
+              <a:pPr/>
               <a:t>7/16/2022</a:t>
             </a:fld>
             <a:endParaRPr lang="en-US"/>
@@ -1895,6 +1913,7 @@
           <a:p>
             <a:fld id="{1ED5810E-D399-48C6-98AE-53FF8FB47FE5}" type="slidenum">
               <a:rPr lang="en-US" smtClean="0"/>
+              <a:pPr/>
               <a:t>‹#›</a:t>
             </a:fld>
             <a:endParaRPr lang="en-US"/>
@@ -1943,6 +1962,7 @@
           <a:p>
             <a:fld id="{EF562E89-DE1A-41BE-B496-51C497CD17C7}" type="datetimeFigureOut">
               <a:rPr lang="en-US" smtClean="0"/>
+              <a:pPr/>
               <a:t>7/16/2022</a:t>
             </a:fld>
             <a:endParaRPr lang="en-US"/>
@@ -1985,6 +2005,7 @@
           <a:p>
             <a:fld id="{1ED5810E-D399-48C6-98AE-53FF8FB47FE5}" type="slidenum">
               <a:rPr lang="en-US" smtClean="0"/>
+              <a:pPr/>
               <a:t>‹#›</a:t>
             </a:fld>
             <a:endParaRPr lang="en-US"/>
@@ -2215,6 +2236,7 @@
           <a:p>
             <a:fld id="{EF562E89-DE1A-41BE-B496-51C497CD17C7}" type="datetimeFigureOut">
               <a:rPr lang="en-US" smtClean="0"/>
+              <a:pPr/>
               <a:t>7/16/2022</a:t>
             </a:fld>
             <a:endParaRPr lang="en-US"/>
@@ -2257,6 +2279,7 @@
           <a:p>
             <a:fld id="{1ED5810E-D399-48C6-98AE-53FF8FB47FE5}" type="slidenum">
               <a:rPr lang="en-US" smtClean="0"/>
+              <a:pPr/>
               <a:t>‹#›</a:t>
             </a:fld>
             <a:endParaRPr lang="en-US"/>
@@ -2463,6 +2486,7 @@
           <a:p>
             <a:fld id="{EF562E89-DE1A-41BE-B496-51C497CD17C7}" type="datetimeFigureOut">
               <a:rPr lang="en-US" smtClean="0"/>
+              <a:pPr/>
               <a:t>7/16/2022</a:t>
             </a:fld>
             <a:endParaRPr lang="en-US"/>
@@ -2505,6 +2529,7 @@
           <a:p>
             <a:fld id="{1ED5810E-D399-48C6-98AE-53FF8FB47FE5}" type="slidenum">
               <a:rPr lang="en-US" smtClean="0"/>
+              <a:pPr/>
               <a:t>‹#›</a:t>
             </a:fld>
             <a:endParaRPr lang="en-US"/>
@@ -2671,6 +2696,7 @@
           <a:p>
             <a:fld id="{EF562E89-DE1A-41BE-B496-51C497CD17C7}" type="datetimeFigureOut">
               <a:rPr lang="en-US" smtClean="0"/>
+              <a:pPr/>
               <a:t>7/16/2022</a:t>
             </a:fld>
             <a:endParaRPr lang="en-US"/>
@@ -2749,6 +2775,7 @@
           <a:p>
             <a:fld id="{1ED5810E-D399-48C6-98AE-53FF8FB47FE5}" type="slidenum">
               <a:rPr lang="en-US" smtClean="0"/>
+              <a:pPr/>
               <a:t>‹#›</a:t>
             </a:fld>
             <a:endParaRPr lang="en-US"/>
@@ -3091,6 +3118,153 @@
 </p:sld>
 </file>
 
+<file path=ppt/slides/slide10.xml><?xml version="1.0" encoding="utf-8"?>
+<p:sld xmlns:a="http://schemas.openxmlformats.org/drawingml/2006/main" xmlns:r="http://schemas.openxmlformats.org/officeDocument/2006/relationships" xmlns:p="http://schemas.openxmlformats.org/presentationml/2006/main">
+  <p:cSld>
+    <p:spTree>
+      <p:nvGrpSpPr>
+        <p:cNvPr id="1" name=""/>
+        <p:cNvGrpSpPr/>
+        <p:nvPr/>
+      </p:nvGrpSpPr>
+      <p:grpSpPr>
+        <a:xfrm>
+          <a:off x="0" y="0"/>
+          <a:ext cx="0" cy="0"/>
+          <a:chOff x="0" y="0"/>
+          <a:chExt cx="0" cy="0"/>
+        </a:xfrm>
+      </p:grpSpPr>
+      <p:sp>
+        <p:nvSpPr>
+          <p:cNvPr id="2" name="Title 1"/>
+          <p:cNvSpPr>
+            <a:spLocks noGrp="1"/>
+          </p:cNvSpPr>
+          <p:nvPr>
+            <p:ph type="title"/>
+          </p:nvPr>
+        </p:nvSpPr>
+        <p:spPr/>
+        <p:txBody>
+          <a:bodyPr/>
+          <a:lstStyle/>
+          <a:p>
+            <a:r>
+              <a:rPr lang="en-US" dirty="0" smtClean="0"/>
+              <a:t>Releases</a:t>
+            </a:r>
+            <a:endParaRPr lang="en-US" dirty="0"/>
+          </a:p>
+        </p:txBody>
+      </p:sp>
+      <p:sp>
+        <p:nvSpPr>
+          <p:cNvPr id="3" name="Content Placeholder 2"/>
+          <p:cNvSpPr>
+            <a:spLocks noGrp="1"/>
+          </p:cNvSpPr>
+          <p:nvPr>
+            <p:ph idx="1"/>
+          </p:nvPr>
+        </p:nvSpPr>
+        <p:spPr/>
+        <p:txBody>
+          <a:bodyPr>
+            <a:normAutofit lnSpcReduction="10000"/>
+          </a:bodyPr>
+          <a:lstStyle/>
+          <a:p>
+            <a:r>
+              <a:rPr lang="en-US" dirty="0"/>
+              <a:t>JDK Alpha and </a:t>
+            </a:r>
+            <a:r>
+              <a:rPr lang="en-US" dirty="0" smtClean="0"/>
+              <a:t>Beta</a:t>
+            </a:r>
+          </a:p>
+          <a:p>
+            <a:r>
+              <a:rPr lang="en-US" dirty="0"/>
+              <a:t>JDK </a:t>
+            </a:r>
+            <a:r>
+              <a:rPr lang="en-US" dirty="0" smtClean="0"/>
+              <a:t>1.0</a:t>
+            </a:r>
+          </a:p>
+          <a:p>
+            <a:r>
+              <a:rPr lang="en-US" dirty="0"/>
+              <a:t>JDK </a:t>
+            </a:r>
+            <a:r>
+              <a:rPr lang="en-US" dirty="0" smtClean="0"/>
+              <a:t>1.1</a:t>
+            </a:r>
+          </a:p>
+          <a:p>
+            <a:r>
+              <a:rPr lang="en-US" dirty="0"/>
+              <a:t>J2SE </a:t>
+            </a:r>
+            <a:r>
+              <a:rPr lang="en-US" dirty="0" smtClean="0"/>
+              <a:t>1.2</a:t>
+            </a:r>
+          </a:p>
+          <a:p>
+            <a:r>
+              <a:rPr lang="en-US" dirty="0"/>
+              <a:t>J2SE </a:t>
+            </a:r>
+            <a:r>
+              <a:rPr lang="en-US" dirty="0" smtClean="0"/>
+              <a:t>1.3</a:t>
+            </a:r>
+          </a:p>
+          <a:p>
+            <a:r>
+              <a:rPr lang="en-US" dirty="0"/>
+              <a:t>J2SE </a:t>
+            </a:r>
+            <a:r>
+              <a:rPr lang="en-US" dirty="0" smtClean="0"/>
+              <a:t>1.4</a:t>
+            </a:r>
+          </a:p>
+          <a:p>
+            <a:r>
+              <a:rPr lang="en-US" dirty="0"/>
+              <a:t>J2SE </a:t>
+            </a:r>
+            <a:r>
+              <a:rPr lang="en-US" dirty="0" smtClean="0"/>
+              <a:t>5.0</a:t>
+            </a:r>
+          </a:p>
+          <a:p>
+            <a:r>
+              <a:rPr lang="en-US" dirty="0"/>
+              <a:t>Java SE </a:t>
+            </a:r>
+            <a:r>
+              <a:rPr lang="en-US" dirty="0" smtClean="0"/>
+              <a:t>6…………18</a:t>
+            </a:r>
+            <a:endParaRPr lang="en-US" dirty="0"/>
+          </a:p>
+        </p:txBody>
+      </p:sp>
+    </p:spTree>
+  </p:cSld>
+  <p:clrMapOvr>
+    <a:masterClrMapping/>
+  </p:clrMapOvr>
+</p:sld>
+</file>
+
 <file path=ppt/slides/slide2.xml><?xml version="1.0" encoding="utf-8"?>
 <p:sld xmlns:a="http://schemas.openxmlformats.org/drawingml/2006/main" xmlns:r="http://schemas.openxmlformats.org/officeDocument/2006/relationships" xmlns:p="http://schemas.openxmlformats.org/presentationml/2006/main">
   <p:cSld>
@@ -5795,7 +5969,7 @@
           <a:p>
             <a:r>
               <a:rPr lang="en-US" dirty="0" smtClean="0"/>
-              <a:t>Releases</a:t>
+              <a:t>Application</a:t>
             </a:r>
             <a:endParaRPr lang="en-US" dirty="0"/>
           </a:p>
@@ -5813,90 +5987,195 @@
         </p:nvSpPr>
         <p:spPr/>
         <p:txBody>
-          <a:bodyPr>
-            <a:normAutofit lnSpcReduction="10000"/>
-          </a:bodyPr>
+          <a:bodyPr/>
           <a:lstStyle/>
           <a:p>
             <a:r>
+              <a:rPr lang="en-US" dirty="0" smtClean="0"/>
+              <a:t>Web</a:t>
+            </a:r>
+          </a:p>
+          <a:p>
+            <a:r>
+              <a:rPr lang="en-US" dirty="0" smtClean="0"/>
+              <a:t>Desktop</a:t>
+            </a:r>
+          </a:p>
+          <a:p>
+            <a:r>
+              <a:rPr lang="en-US" dirty="0" smtClean="0"/>
+              <a:t>Mobile</a:t>
+            </a:r>
+          </a:p>
+          <a:p>
+            <a:r>
+              <a:rPr lang="en-US" dirty="0" smtClean="0"/>
+              <a:t>Embedded</a:t>
+            </a:r>
+          </a:p>
+          <a:p>
+            <a:r>
+              <a:rPr lang="en-US" dirty="0" smtClean="0"/>
+              <a:t>Robotics</a:t>
+            </a:r>
+            <a:endParaRPr lang="en-US" dirty="0"/>
+          </a:p>
+        </p:txBody>
+      </p:sp>
+    </p:spTree>
+  </p:cSld>
+  <p:clrMapOvr>
+    <a:masterClrMapping/>
+  </p:clrMapOvr>
+</p:sld>
+</file>
+
+<file path=ppt/slides/slide8.xml><?xml version="1.0" encoding="utf-8"?>
+<p:sld xmlns:a="http://schemas.openxmlformats.org/drawingml/2006/main" xmlns:r="http://schemas.openxmlformats.org/officeDocument/2006/relationships" xmlns:p="http://schemas.openxmlformats.org/presentationml/2006/main">
+  <p:cSld>
+    <p:spTree>
+      <p:nvGrpSpPr>
+        <p:cNvPr id="1" name=""/>
+        <p:cNvGrpSpPr/>
+        <p:nvPr/>
+      </p:nvGrpSpPr>
+      <p:grpSpPr>
+        <a:xfrm>
+          <a:off x="0" y="0"/>
+          <a:ext cx="0" cy="0"/>
+          <a:chOff x="0" y="0"/>
+          <a:chExt cx="0" cy="0"/>
+        </a:xfrm>
+      </p:grpSpPr>
+      <p:sp>
+        <p:nvSpPr>
+          <p:cNvPr id="2" name="Title 1"/>
+          <p:cNvSpPr>
+            <a:spLocks noGrp="1"/>
+          </p:cNvSpPr>
+          <p:nvPr>
+            <p:ph type="title"/>
+          </p:nvPr>
+        </p:nvSpPr>
+        <p:spPr/>
+        <p:txBody>
+          <a:bodyPr/>
+          <a:lstStyle/>
+          <a:p>
+            <a:r>
+              <a:rPr lang="en-US" dirty="0" smtClean="0"/>
+              <a:t>Types of Application</a:t>
+            </a:r>
+            <a:endParaRPr lang="en-US" dirty="0"/>
+          </a:p>
+        </p:txBody>
+      </p:sp>
+      <p:sp>
+        <p:nvSpPr>
+          <p:cNvPr id="3" name="Content Placeholder 2"/>
+          <p:cNvSpPr>
+            <a:spLocks noGrp="1"/>
+          </p:cNvSpPr>
+          <p:nvPr>
+            <p:ph idx="1"/>
+          </p:nvPr>
+        </p:nvSpPr>
+        <p:spPr/>
+        <p:txBody>
+          <a:bodyPr/>
+          <a:lstStyle/>
+          <a:p>
+            <a:r>
               <a:rPr lang="en-US" dirty="0"/>
-              <a:t>JDK Alpha and </a:t>
-            </a:r>
-            <a:r>
-              <a:rPr lang="en-US" dirty="0" smtClean="0"/>
-              <a:t>Beta</a:t>
+              <a:t>Standalone Application</a:t>
             </a:r>
           </a:p>
           <a:p>
             <a:r>
               <a:rPr lang="en-US" dirty="0"/>
-              <a:t>JDK </a:t>
-            </a:r>
-            <a:r>
-              <a:rPr lang="en-US" dirty="0" smtClean="0"/>
-              <a:t>1.0</a:t>
+              <a:t>Web Application</a:t>
             </a:r>
           </a:p>
           <a:p>
             <a:r>
               <a:rPr lang="en-US" dirty="0"/>
-              <a:t>JDK </a:t>
-            </a:r>
-            <a:r>
-              <a:rPr lang="en-US" dirty="0" smtClean="0"/>
-              <a:t>1.1</a:t>
+              <a:t>Enterprise Application</a:t>
             </a:r>
           </a:p>
           <a:p>
             <a:r>
               <a:rPr lang="en-US" dirty="0"/>
-              <a:t>J2SE </a:t>
-            </a:r>
-            <a:r>
-              <a:rPr lang="en-US" dirty="0" smtClean="0"/>
-              <a:t>1.2</a:t>
-            </a:r>
-          </a:p>
+              <a:t>Mobile Application</a:t>
+            </a:r>
+          </a:p>
+          <a:p>
+            <a:endParaRPr lang="en-US" dirty="0"/>
+          </a:p>
+        </p:txBody>
+      </p:sp>
+    </p:spTree>
+  </p:cSld>
+  <p:clrMapOvr>
+    <a:masterClrMapping/>
+  </p:clrMapOvr>
+</p:sld>
+</file>
+
+<file path=ppt/slides/slide9.xml><?xml version="1.0" encoding="utf-8"?>
+<p:sld xmlns:a="http://schemas.openxmlformats.org/drawingml/2006/main" xmlns:r="http://schemas.openxmlformats.org/officeDocument/2006/relationships" xmlns:p="http://schemas.openxmlformats.org/presentationml/2006/main">
+  <p:cSld>
+    <p:spTree>
+      <p:nvGrpSpPr>
+        <p:cNvPr id="1" name=""/>
+        <p:cNvGrpSpPr/>
+        <p:nvPr/>
+      </p:nvGrpSpPr>
+      <p:grpSpPr>
+        <a:xfrm>
+          <a:off x="0" y="0"/>
+          <a:ext cx="0" cy="0"/>
+          <a:chOff x="0" y="0"/>
+          <a:chExt cx="0" cy="0"/>
+        </a:xfrm>
+      </p:grpSpPr>
+      <p:sp>
+        <p:nvSpPr>
+          <p:cNvPr id="2" name="Title 1"/>
+          <p:cNvSpPr>
+            <a:spLocks noGrp="1"/>
+          </p:cNvSpPr>
+          <p:nvPr>
+            <p:ph type="title"/>
+          </p:nvPr>
+        </p:nvSpPr>
+        <p:spPr/>
+        <p:txBody>
+          <a:bodyPr/>
+          <a:lstStyle/>
+          <a:p>
+            <a:endParaRPr lang="en-US"/>
+          </a:p>
+        </p:txBody>
+      </p:sp>
+      <p:sp>
+        <p:nvSpPr>
+          <p:cNvPr id="3" name="Content Placeholder 2"/>
+          <p:cNvSpPr>
+            <a:spLocks noGrp="1"/>
+          </p:cNvSpPr>
+          <p:nvPr>
+            <p:ph idx="1"/>
+          </p:nvPr>
+        </p:nvSpPr>
+        <p:spPr/>
+        <p:txBody>
+          <a:bodyPr/>
+          <a:lstStyle/>
           <a:p>
             <a:r>
               <a:rPr lang="en-US" dirty="0"/>
-              <a:t>J2SE </a:t>
-            </a:r>
-            <a:r>
-              <a:rPr lang="en-US" dirty="0" smtClean="0"/>
-              <a:t>1.3</a:t>
-            </a:r>
-          </a:p>
-          <a:p>
-            <a:r>
-              <a:rPr lang="en-US" dirty="0"/>
-              <a:t>J2SE </a:t>
-            </a:r>
-            <a:r>
-              <a:rPr lang="en-US" dirty="0" smtClean="0"/>
-              <a:t>1.4</a:t>
-            </a:r>
-          </a:p>
-          <a:p>
-            <a:r>
-              <a:rPr lang="en-US" dirty="0"/>
-              <a:t>J2SE </a:t>
-            </a:r>
-            <a:r>
-              <a:rPr lang="en-US" dirty="0" smtClean="0"/>
-              <a:t>5.0</a:t>
-            </a:r>
-          </a:p>
-          <a:p>
-            <a:r>
-              <a:rPr lang="en-US" dirty="0"/>
-              <a:t>Java SE </a:t>
-            </a:r>
-            <a:r>
-              <a:rPr lang="en-US" dirty="0" smtClean="0"/>
-              <a:t>6…………18</a:t>
-            </a:r>
-            <a:endParaRPr lang="en-US" dirty="0"/>
+              <a:t>The current stable release of Java is Java SE 10</a:t>
+            </a:r>
           </a:p>
         </p:txBody>
       </p:sp>
